--- a/study/JavaScript30-master/Js30_04.pptx
+++ b/study/JavaScript30-master/Js30_04.pptx
@@ -251,7 +251,7 @@
           <a:p>
             <a:fld id="{D3286663-B5F2-49BA-8731-0027ABE24434}" type="datetimeFigureOut">
               <a:rPr lang="ko-KR" altLang="en-US" smtClean="0"/>
-              <a:t>2020-03-17</a:t>
+              <a:t>2020-03-22</a:t>
             </a:fld>
             <a:endParaRPr lang="ko-KR" altLang="en-US"/>
           </a:p>
@@ -421,7 +421,7 @@
           <a:p>
             <a:fld id="{D3286663-B5F2-49BA-8731-0027ABE24434}" type="datetimeFigureOut">
               <a:rPr lang="ko-KR" altLang="en-US" smtClean="0"/>
-              <a:t>2020-03-17</a:t>
+              <a:t>2020-03-22</a:t>
             </a:fld>
             <a:endParaRPr lang="ko-KR" altLang="en-US"/>
           </a:p>
@@ -601,7 +601,7 @@
           <a:p>
             <a:fld id="{D3286663-B5F2-49BA-8731-0027ABE24434}" type="datetimeFigureOut">
               <a:rPr lang="ko-KR" altLang="en-US" smtClean="0"/>
-              <a:t>2020-03-17</a:t>
+              <a:t>2020-03-22</a:t>
             </a:fld>
             <a:endParaRPr lang="ko-KR" altLang="en-US"/>
           </a:p>
@@ -771,7 +771,7 @@
           <a:p>
             <a:fld id="{D3286663-B5F2-49BA-8731-0027ABE24434}" type="datetimeFigureOut">
               <a:rPr lang="ko-KR" altLang="en-US" smtClean="0"/>
-              <a:t>2020-03-17</a:t>
+              <a:t>2020-03-22</a:t>
             </a:fld>
             <a:endParaRPr lang="ko-KR" altLang="en-US"/>
           </a:p>
@@ -1017,7 +1017,7 @@
           <a:p>
             <a:fld id="{D3286663-B5F2-49BA-8731-0027ABE24434}" type="datetimeFigureOut">
               <a:rPr lang="ko-KR" altLang="en-US" smtClean="0"/>
-              <a:t>2020-03-17</a:t>
+              <a:t>2020-03-22</a:t>
             </a:fld>
             <a:endParaRPr lang="ko-KR" altLang="en-US"/>
           </a:p>
@@ -1249,7 +1249,7 @@
           <a:p>
             <a:fld id="{D3286663-B5F2-49BA-8731-0027ABE24434}" type="datetimeFigureOut">
               <a:rPr lang="ko-KR" altLang="en-US" smtClean="0"/>
-              <a:t>2020-03-17</a:t>
+              <a:t>2020-03-22</a:t>
             </a:fld>
             <a:endParaRPr lang="ko-KR" altLang="en-US"/>
           </a:p>
@@ -1616,7 +1616,7 @@
           <a:p>
             <a:fld id="{D3286663-B5F2-49BA-8731-0027ABE24434}" type="datetimeFigureOut">
               <a:rPr lang="ko-KR" altLang="en-US" smtClean="0"/>
-              <a:t>2020-03-17</a:t>
+              <a:t>2020-03-22</a:t>
             </a:fld>
             <a:endParaRPr lang="ko-KR" altLang="en-US"/>
           </a:p>
@@ -1734,7 +1734,7 @@
           <a:p>
             <a:fld id="{D3286663-B5F2-49BA-8731-0027ABE24434}" type="datetimeFigureOut">
               <a:rPr lang="ko-KR" altLang="en-US" smtClean="0"/>
-              <a:t>2020-03-17</a:t>
+              <a:t>2020-03-22</a:t>
             </a:fld>
             <a:endParaRPr lang="ko-KR" altLang="en-US"/>
           </a:p>
@@ -1829,7 +1829,7 @@
           <a:p>
             <a:fld id="{D3286663-B5F2-49BA-8731-0027ABE24434}" type="datetimeFigureOut">
               <a:rPr lang="ko-KR" altLang="en-US" smtClean="0"/>
-              <a:t>2020-03-17</a:t>
+              <a:t>2020-03-22</a:t>
             </a:fld>
             <a:endParaRPr lang="ko-KR" altLang="en-US"/>
           </a:p>
@@ -2106,7 +2106,7 @@
           <a:p>
             <a:fld id="{D3286663-B5F2-49BA-8731-0027ABE24434}" type="datetimeFigureOut">
               <a:rPr lang="ko-KR" altLang="en-US" smtClean="0"/>
-              <a:t>2020-03-17</a:t>
+              <a:t>2020-03-22</a:t>
             </a:fld>
             <a:endParaRPr lang="ko-KR" altLang="en-US"/>
           </a:p>
@@ -2359,7 +2359,7 @@
           <a:p>
             <a:fld id="{D3286663-B5F2-49BA-8731-0027ABE24434}" type="datetimeFigureOut">
               <a:rPr lang="ko-KR" altLang="en-US" smtClean="0"/>
-              <a:t>2020-03-17</a:t>
+              <a:t>2020-03-22</a:t>
             </a:fld>
             <a:endParaRPr lang="ko-KR" altLang="en-US"/>
           </a:p>
@@ -2572,7 +2572,7 @@
           <a:p>
             <a:fld id="{D3286663-B5F2-49BA-8731-0027ABE24434}" type="datetimeFigureOut">
               <a:rPr lang="ko-KR" altLang="en-US" smtClean="0"/>
-              <a:t>2020-03-17</a:t>
+              <a:t>2020-03-22</a:t>
             </a:fld>
             <a:endParaRPr lang="ko-KR" altLang="en-US"/>
           </a:p>
@@ -3163,6 +3163,24 @@
               <a:t>) </a:t>
             </a:r>
             <a:r>
+              <a:rPr lang="ko-KR" altLang="en-US" sz="2000" b="1" i="1" dirty="0" smtClean="0">
+                <a:solidFill>
+                  <a:srgbClr val="333333"/>
+                </a:solidFill>
+                <a:latin typeface="Consolas" panose="020B0609020204030204" pitchFamily="49" charset="0"/>
+              </a:rPr>
+              <a:t>변수 </a:t>
+            </a:r>
+            <a:r>
+              <a:rPr lang="en-US" altLang="ko-KR" sz="2000" b="1" i="1" dirty="0" smtClean="0">
+                <a:solidFill>
+                  <a:srgbClr val="333333"/>
+                </a:solidFill>
+                <a:latin typeface="Consolas" panose="020B0609020204030204" pitchFamily="49" charset="0"/>
+              </a:rPr>
+              <a:t>= </a:t>
+            </a:r>
+            <a:r>
               <a:rPr lang="en-US" altLang="ko-KR" sz="2000" b="1" i="1" dirty="0" err="1" smtClean="0">
                 <a:solidFill>
                   <a:srgbClr val="333333"/>
@@ -3392,16 +3410,7 @@
                 </a:solidFill>
                 <a:latin typeface="Consolas" panose="020B0609020204030204" pitchFamily="49" charset="0"/>
               </a:rPr>
-              <a:t>부합하는 </a:t>
-            </a:r>
-            <a:r>
-              <a:rPr lang="ko-KR" altLang="en-US" sz="2000" dirty="0" smtClean="0">
-                <a:solidFill>
-                  <a:srgbClr val="FF0000"/>
-                </a:solidFill>
-                <a:latin typeface="Consolas" panose="020B0609020204030204" pitchFamily="49" charset="0"/>
-              </a:rPr>
-              <a:t>원소들을 찾아낸다</a:t>
+              <a:t>부합하는 원소들을 찾아낸다</a:t>
             </a:r>
             <a:r>
               <a:rPr lang="en-US" altLang="ko-KR" sz="2000" dirty="0" smtClean="0">
@@ -6402,7 +6411,16 @@
                 </a:solidFill>
                 <a:latin typeface="Consolas" panose="020B0609020204030204" pitchFamily="49" charset="0"/>
               </a:rPr>
-              <a:t>( function(a){ return ‘a.name , </a:t>
+              <a:t>( function(a){ return </a:t>
+            </a:r>
+            <a:r>
+              <a:rPr lang="en-US" altLang="ko-KR" sz="2000" b="1" i="1" dirty="0" smtClean="0">
+                <a:solidFill>
+                  <a:srgbClr val="333333"/>
+                </a:solidFill>
+                <a:latin typeface="Consolas" panose="020B0609020204030204" pitchFamily="49" charset="0"/>
+              </a:rPr>
+              <a:t>`a.name </a:t>
             </a:r>
             <a:r>
               <a:rPr lang="en-US" altLang="ko-KR" sz="2000" b="1" i="1" dirty="0" err="1" smtClean="0">
@@ -6420,7 +6438,16 @@
                 </a:solidFill>
                 <a:latin typeface="Consolas" panose="020B0609020204030204" pitchFamily="49" charset="0"/>
               </a:rPr>
-              <a:t>’  });</a:t>
+              <a:t>`  </a:t>
+            </a:r>
+            <a:r>
+              <a:rPr lang="en-US" altLang="ko-KR" sz="2000" b="1" i="1" dirty="0" smtClean="0">
+                <a:solidFill>
+                  <a:srgbClr val="333333"/>
+                </a:solidFill>
+                <a:latin typeface="Consolas" panose="020B0609020204030204" pitchFamily="49" charset="0"/>
+              </a:rPr>
+              <a:t>});</a:t>
             </a:r>
             <a:endParaRPr lang="ko-KR" altLang="en-US" sz="2000" i="1" dirty="0">
               <a:solidFill>
@@ -6550,45 +6577,21 @@
               <a:rPr lang="en-US" altLang="ko-KR" sz="2000" b="1" dirty="0">
                 <a:latin typeface="Consolas" panose="020B0609020204030204" pitchFamily="49" charset="0"/>
               </a:rPr>
-              <a:t>3</a:t>
-            </a:r>
+              <a:t>3. Sort the inventors by birthdate, oldest to youngest</a:t>
+            </a:r>
+          </a:p>
+          <a:p>
             <a:r>
               <a:rPr lang="en-US" altLang="ko-KR" sz="2000" b="1" dirty="0">
                 <a:latin typeface="Consolas" panose="020B0609020204030204" pitchFamily="49" charset="0"/>
               </a:rPr>
-              <a:t>. Sort the inventors by birthdate, oldest to youngest</a:t>
-            </a:r>
-          </a:p>
-          <a:p>
-            <a:r>
-              <a:rPr lang="en-US" altLang="ko-KR" sz="2000" b="1" dirty="0">
-                <a:latin typeface="Consolas" panose="020B0609020204030204" pitchFamily="49" charset="0"/>
-              </a:rPr>
               <a:t>  (</a:t>
             </a:r>
             <a:r>
               <a:rPr lang="ko-KR" altLang="en-US" sz="2000" b="1" dirty="0">
                 <a:latin typeface="Consolas" panose="020B0609020204030204" pitchFamily="49" charset="0"/>
               </a:rPr>
-              <a:t>생년</a:t>
-            </a:r>
-            <a:r>
-              <a:rPr lang="ko-KR" altLang="en-US" sz="2000" b="1" dirty="0">
-                <a:latin typeface="Consolas" panose="020B0609020204030204" pitchFamily="49" charset="0"/>
-              </a:rPr>
-              <a:t>순</a:t>
-            </a:r>
-            <a:r>
-              <a:rPr lang="ko-KR" altLang="en-US" sz="2000" b="1" dirty="0">
-                <a:latin typeface="Consolas" panose="020B0609020204030204" pitchFamily="49" charset="0"/>
-              </a:rPr>
-              <a:t>으로</a:t>
-            </a:r>
-            <a:r>
-              <a:rPr lang="ko-KR" altLang="en-US" sz="2000" b="1" dirty="0">
-                <a:latin typeface="Consolas" panose="020B0609020204030204" pitchFamily="49" charset="0"/>
-              </a:rPr>
-              <a:t> 나열하시오</a:t>
+              <a:t>생년순으로 나열하시오</a:t>
             </a:r>
             <a:r>
               <a:rPr lang="en-US" altLang="ko-KR" sz="2000" b="1" dirty="0">
@@ -6975,7 +6978,7 @@
               <a:t>0보다 작은 경우 </a:t>
             </a:r>
             <a:r>
-              <a:rPr lang="ko-KR" altLang="ko-KR" sz="2000" i="1" dirty="0">
+              <a:rPr lang="ko-KR" altLang="ko-KR" sz="2000" i="1" dirty="0" smtClean="0">
                 <a:solidFill>
                   <a:srgbClr val="FF0000"/>
                 </a:solidFill>
@@ -6984,22 +6987,13 @@
               <a:t>a를 b보다 낮은 색인으로 정렬</a:t>
             </a:r>
             <a:r>
-              <a:rPr lang="ko-KR" altLang="ko-KR" sz="2000" i="1" dirty="0">
-                <a:solidFill>
-                  <a:srgbClr val="333333"/>
-                </a:solidFill>
-                <a:latin typeface="Consolas" panose="020B0609020204030204" pitchFamily="49" charset="0"/>
-              </a:rPr>
-              <a:t>한다</a:t>
-            </a:r>
-            <a:r>
               <a:rPr lang="ko-KR" altLang="ko-KR" sz="2000" i="1" dirty="0" smtClean="0">
                 <a:solidFill>
                   <a:srgbClr val="333333"/>
                 </a:solidFill>
                 <a:latin typeface="Consolas" panose="020B0609020204030204" pitchFamily="49" charset="0"/>
               </a:rPr>
-              <a:t>.</a:t>
+              <a:t>한다.</a:t>
             </a:r>
             <a:endParaRPr lang="en-US" altLang="ko-KR" sz="2000" i="1" dirty="0" smtClean="0">
               <a:solidFill>
@@ -7033,8 +7027,23 @@
                 </a:solidFill>
                 <a:latin typeface="Consolas" panose="020B0609020204030204" pitchFamily="49" charset="0"/>
               </a:rPr>
-              <a:t>, a가 먼저온다.</a:t>
-            </a:r>
+              <a:t>, a가 먼저온다</a:t>
+            </a:r>
+            <a:r>
+              <a:rPr lang="ko-KR" altLang="ko-KR" sz="2000" i="1" dirty="0" smtClean="0">
+                <a:solidFill>
+                  <a:srgbClr val="333333"/>
+                </a:solidFill>
+                <a:latin typeface="Consolas" panose="020B0609020204030204" pitchFamily="49" charset="0"/>
+              </a:rPr>
+              <a:t>.</a:t>
+            </a:r>
+            <a:endParaRPr lang="ko-KR" altLang="ko-KR" sz="2000" i="1" dirty="0">
+              <a:solidFill>
+                <a:srgbClr val="333333"/>
+              </a:solidFill>
+              <a:latin typeface="Consolas" panose="020B0609020204030204" pitchFamily="49" charset="0"/>
+            </a:endParaRPr>
           </a:p>
           <a:p>
             <a:pPr marR="0" lvl="0" indent="0" latinLnBrk="0">
@@ -7301,7 +7310,25 @@
                 </a:solidFill>
                 <a:latin typeface="Consolas" panose="020B0609020204030204" pitchFamily="49" charset="0"/>
               </a:rPr>
-              <a:t>return 1;}else{Return -1;});</a:t>
+              <a:t>return 1;}</a:t>
+            </a:r>
+            <a:r>
+              <a:rPr lang="en-US" altLang="ko-KR" sz="2000" b="1" i="1" dirty="0" smtClean="0">
+                <a:solidFill>
+                  <a:srgbClr val="333333"/>
+                </a:solidFill>
+                <a:latin typeface="Consolas" panose="020B0609020204030204" pitchFamily="49" charset="0"/>
+              </a:rPr>
+              <a:t>else{return </a:t>
+            </a:r>
+            <a:r>
+              <a:rPr lang="en-US" altLang="ko-KR" sz="2000" b="1" i="1" dirty="0" smtClean="0">
+                <a:solidFill>
+                  <a:srgbClr val="333333"/>
+                </a:solidFill>
+                <a:latin typeface="Consolas" panose="020B0609020204030204" pitchFamily="49" charset="0"/>
+              </a:rPr>
+              <a:t>-1;});</a:t>
             </a:r>
             <a:endParaRPr lang="ko-KR" altLang="en-US" sz="2000" i="1" dirty="0">
               <a:solidFill>
@@ -7896,7 +7923,16 @@
                 </a:solidFill>
                 <a:latin typeface="Consolas" panose="020B0609020204030204" pitchFamily="49" charset="0"/>
               </a:rPr>
-              <a:t>;},0});</a:t>
+              <a:t>;},</a:t>
+            </a:r>
+            <a:r>
+              <a:rPr lang="en-US" altLang="ko-KR" sz="2000" b="1" i="1" dirty="0" smtClean="0">
+                <a:solidFill>
+                  <a:srgbClr val="333333"/>
+                </a:solidFill>
+                <a:latin typeface="Consolas" panose="020B0609020204030204" pitchFamily="49" charset="0"/>
+              </a:rPr>
+              <a:t>0);</a:t>
             </a:r>
             <a:endParaRPr lang="ko-KR" altLang="en-US" sz="2000" i="1" dirty="0">
               <a:solidFill>
@@ -8295,25 +8331,13 @@
               <a:rPr lang="en-US" altLang="ko-KR" sz="2000" b="1" dirty="0">
                 <a:latin typeface="Consolas" panose="020B0609020204030204" pitchFamily="49" charset="0"/>
               </a:rPr>
-              <a:t>    </a:t>
-            </a:r>
-            <a:r>
-              <a:rPr lang="en-US" altLang="ko-KR" sz="2000" b="1" dirty="0">
-                <a:latin typeface="Consolas" panose="020B0609020204030204" pitchFamily="49" charset="0"/>
-              </a:rPr>
-              <a:t>(</a:t>
+              <a:t>    (</a:t>
             </a:r>
             <a:r>
               <a:rPr lang="ko-KR" altLang="en-US" sz="2000" b="1" dirty="0">
                 <a:latin typeface="Consolas" panose="020B0609020204030204" pitchFamily="49" charset="0"/>
               </a:rPr>
-              <a:t>오래산</a:t>
-            </a:r>
-            <a:r>
-              <a:rPr lang="ko-KR" altLang="en-US" sz="2000" b="1" dirty="0">
-                <a:latin typeface="Consolas" panose="020B0609020204030204" pitchFamily="49" charset="0"/>
-              </a:rPr>
-              <a:t> 순서대로 출력하시오</a:t>
+              <a:t>오래산 순서대로 출력하시오</a:t>
             </a:r>
             <a:r>
               <a:rPr lang="en-US" altLang="ko-KR" sz="2000" b="1" dirty="0">
@@ -9357,16 +9381,7 @@
                 </a:solidFill>
                 <a:latin typeface="Consolas" panose="020B0609020204030204" pitchFamily="49" charset="0"/>
               </a:rPr>
-              <a:t>부합하는 </a:t>
-            </a:r>
-            <a:r>
-              <a:rPr lang="ko-KR" altLang="en-US" sz="2000" dirty="0" smtClean="0">
-                <a:solidFill>
-                  <a:srgbClr val="FF0000"/>
-                </a:solidFill>
-                <a:latin typeface="Consolas" panose="020B0609020204030204" pitchFamily="49" charset="0"/>
-              </a:rPr>
-              <a:t>원소들을 찾아낸다</a:t>
+              <a:t>부합하는 원소들을 찾아낸다</a:t>
             </a:r>
             <a:r>
               <a:rPr lang="en-US" altLang="ko-KR" sz="2000" dirty="0" smtClean="0">
